--- a/cs564_fall17/slides/lecture10-moreSQL.pptx
+++ b/cs564_fall17/slides/lecture10-moreSQL.pptx
@@ -296,7 +296,7 @@
           <a:p>
             <a:fld id="{8D988CE0-5C07-A148-A19B-7D9A2B09F0BD}" type="datetimeFigureOut">
               <a:rPr lang="en-US" smtClean="0"/>
-              <a:t>10/6/17</a:t>
+              <a:t>10/13/17</a:t>
             </a:fld>
             <a:endParaRPr lang="en-US"/>
           </a:p>
@@ -3551,7 +3551,7 @@
           <a:p>
             <a:fld id="{8F6F5E15-0E5F-BE41-8FE8-991AB5EDF6ED}" type="datetime1">
               <a:rPr lang="en-US" smtClean="0"/>
-              <a:t>10/6/17</a:t>
+              <a:t>10/13/17</a:t>
             </a:fld>
             <a:endParaRPr lang="en-US"/>
           </a:p>
@@ -3727,7 +3727,7 @@
           <a:p>
             <a:fld id="{C9592B32-B441-224A-9E1E-E4AE7A4B7707}" type="datetime1">
               <a:rPr lang="en-US" smtClean="0"/>
-              <a:t>10/6/17</a:t>
+              <a:t>10/13/17</a:t>
             </a:fld>
             <a:endParaRPr lang="en-US"/>
           </a:p>
@@ -3906,7 +3906,7 @@
           <a:p>
             <a:fld id="{1B29D1A3-AEA7-974A-BF93-443F941EAA55}" type="datetime1">
               <a:rPr lang="en-US" smtClean="0"/>
-              <a:t>10/6/17</a:t>
+              <a:t>10/13/17</a:t>
             </a:fld>
             <a:endParaRPr lang="en-US"/>
           </a:p>
@@ -4079,7 +4079,7 @@
           <a:p>
             <a:fld id="{169021DC-0885-1D4E-AFF9-606D9C7382F9}" type="datetime1">
               <a:rPr lang="en-US" smtClean="0"/>
-              <a:t>10/6/17</a:t>
+              <a:t>10/13/17</a:t>
             </a:fld>
             <a:endParaRPr lang="en-US"/>
           </a:p>
@@ -4360,7 +4360,7 @@
           <a:p>
             <a:fld id="{E8E99FC4-F9B4-044E-A719-D8CBABB6191D}" type="datetime1">
               <a:rPr lang="en-US" smtClean="0"/>
-              <a:t>10/6/17</a:t>
+              <a:t>10/13/17</a:t>
             </a:fld>
             <a:endParaRPr lang="en-US"/>
           </a:p>
@@ -4591,7 +4591,7 @@
           <a:p>
             <a:fld id="{B2746E3F-5155-F647-9A84-9C9FE91520EF}" type="datetime1">
               <a:rPr lang="en-US" smtClean="0"/>
-              <a:t>10/6/17</a:t>
+              <a:t>10/13/17</a:t>
             </a:fld>
             <a:endParaRPr lang="en-US"/>
           </a:p>
@@ -4957,7 +4957,7 @@
           <a:p>
             <a:fld id="{DE8C0F79-C570-6741-BEBC-5ED2133D5FC8}" type="datetime1">
               <a:rPr lang="en-US" smtClean="0"/>
-              <a:t>10/6/17</a:t>
+              <a:t>10/13/17</a:t>
             </a:fld>
             <a:endParaRPr lang="en-US"/>
           </a:p>
@@ -5074,7 +5074,7 @@
           <a:p>
             <a:fld id="{C50AF8F5-25F8-CA4C-8243-C6FF8D56500C}" type="datetime1">
               <a:rPr lang="en-US" smtClean="0"/>
-              <a:t>10/6/17</a:t>
+              <a:t>10/13/17</a:t>
             </a:fld>
             <a:endParaRPr lang="en-US"/>
           </a:p>
@@ -5168,7 +5168,7 @@
           <a:p>
             <a:fld id="{BF6D6B67-1C69-FE4D-A3B2-0216E09FBF77}" type="datetime1">
               <a:rPr lang="en-US" smtClean="0"/>
-              <a:t>10/6/17</a:t>
+              <a:t>10/13/17</a:t>
             </a:fld>
             <a:endParaRPr lang="en-US"/>
           </a:p>
@@ -5444,7 +5444,7 @@
           <a:p>
             <a:fld id="{502991AC-CB99-0A47-A3A3-3DF8608593C2}" type="datetime1">
               <a:rPr lang="en-US" smtClean="0"/>
-              <a:t>10/6/17</a:t>
+              <a:t>10/13/17</a:t>
             </a:fld>
             <a:endParaRPr lang="en-US"/>
           </a:p>
@@ -5700,7 +5700,7 @@
           <a:p>
             <a:fld id="{94F03615-15E4-A841-9AE6-1203BB06290E}" type="datetime1">
               <a:rPr lang="en-US" smtClean="0"/>
-              <a:t>10/6/17</a:t>
+              <a:t>10/13/17</a:t>
             </a:fld>
             <a:endParaRPr lang="en-US"/>
           </a:p>
@@ -5920,7 +5920,7 @@
           <a:p>
             <a:fld id="{8A9230D8-16C1-BF43-B0EE-1A85400C842B}" type="datetime1">
               <a:rPr lang="en-US" smtClean="0"/>
-              <a:t>10/6/17</a:t>
+              <a:t>10/13/17</a:t>
             </a:fld>
             <a:endParaRPr lang="en-US"/>
           </a:p>
@@ -6416,11 +6416,7 @@
           <a:p>
             <a:r>
               <a:rPr lang="en-US" smtClean="0"/>
-              <a:t>Lecture </a:t>
-            </a:r>
-            <a:r>
-              <a:rPr lang="en-US" smtClean="0"/>
-              <a:t>10</a:t>
+              <a:t>Lecture 10</a:t>
             </a:r>
             <a:endParaRPr lang="en-US" dirty="0">
               <a:latin typeface="Linux Libertine" charset="0"/>
@@ -6513,78 +6509,7 @@
   <p:timing>
     <p:tnLst>
       <p:par>
-        <p:cTn id="1" dur="indefinite" restart="never" nodeType="tmRoot">
-          <p:childTnLst>
-            <p:seq concurrent="1" nextAc="seek">
-              <p:cTn id="2" dur="indefinite" nodeType="mainSeq">
-                <p:childTnLst>
-                  <p:par>
-                    <p:cTn id="3" fill="hold">
-                      <p:stCondLst>
-                        <p:cond delay="indefinite"/>
-                        <p:cond evt="onBegin" delay="0">
-                          <p:tn val="2"/>
-                        </p:cond>
-                      </p:stCondLst>
-                      <p:childTnLst>
-                        <p:par>
-                          <p:cTn id="4" fill="hold">
-                            <p:stCondLst>
-                              <p:cond delay="0"/>
-                            </p:stCondLst>
-                            <p:childTnLst>
-                              <p:par>
-                                <p:cTn id="5" presetID="1" presetClass="entr" presetSubtype="0" fill="hold" nodeType="withEffect">
-                                  <p:stCondLst>
-                                    <p:cond delay="0"/>
-                                  </p:stCondLst>
-                                  <p:childTnLst>
-                                    <p:set>
-                                      <p:cBhvr>
-                                        <p:cTn id="6" dur="1" fill="hold">
-                                          <p:stCondLst>
-                                            <p:cond delay="0"/>
-                                          </p:stCondLst>
-                                        </p:cTn>
-                                        <p:tgtEl>
-                                          <p:spTgt spid="6"/>
-                                        </p:tgtEl>
-                                        <p:attrNameLst>
-                                          <p:attrName>style.visibility</p:attrName>
-                                        </p:attrNameLst>
-                                      </p:cBhvr>
-                                      <p:to>
-                                        <p:strVal val="visible"/>
-                                      </p:to>
-                                    </p:set>
-                                  </p:childTnLst>
-                                </p:cTn>
-                              </p:par>
-                            </p:childTnLst>
-                          </p:cTn>
-                        </p:par>
-                      </p:childTnLst>
-                    </p:cTn>
-                  </p:par>
-                </p:childTnLst>
-              </p:cTn>
-              <p:prevCondLst>
-                <p:cond evt="onPrev" delay="0">
-                  <p:tgtEl>
-                    <p:sldTgt/>
-                  </p:tgtEl>
-                </p:cond>
-              </p:prevCondLst>
-              <p:nextCondLst>
-                <p:cond evt="onNext" delay="0">
-                  <p:tgtEl>
-                    <p:sldTgt/>
-                  </p:tgtEl>
-                </p:cond>
-              </p:nextCondLst>
-            </p:seq>
-          </p:childTnLst>
-        </p:cTn>
+        <p:cTn id="1" dur="indefinite" restart="never" nodeType="tmRoot"/>
       </p:par>
     </p:tnLst>
   </p:timing>
@@ -6672,11 +6597,7 @@
             </a:pPr>
             <a:r>
               <a:rPr lang="en-US" sz="3600" dirty="0" smtClean="0"/>
-              <a:t>𝜃</a:t>
-            </a:r>
-            <a:r>
-              <a:rPr lang="en-US" sz="3600" dirty="0" smtClean="0"/>
-              <a:t>: the condition after ON</a:t>
+              <a:t>𝜃: the condition after ON</a:t>
             </a:r>
             <a:endParaRPr lang="en-US" sz="3600" dirty="0"/>
           </a:p>
@@ -7368,11 +7289,7 @@
           <a:p>
             <a:r>
               <a:rPr lang="en-US" dirty="0" smtClean="0"/>
-              <a:t>Review </a:t>
-            </a:r>
-            <a:r>
-              <a:rPr lang="en-US" dirty="0" smtClean="0"/>
-              <a:t>Exercise</a:t>
+              <a:t>Review Exercise</a:t>
             </a:r>
             <a:endParaRPr lang="en-US" dirty="0"/>
           </a:p>
@@ -7558,28 +7475,7 @@
                 <a:latin typeface="Courier New" pitchFamily="49" charset="0"/>
                 <a:cs typeface="Courier New" pitchFamily="49" charset="0"/>
               </a:rPr>
-              <a:t>FROM </a:t>
-            </a:r>
-            <a:r>
-              <a:rPr lang="en-US" sz="2600" dirty="0" smtClean="0">
-                <a:latin typeface="Courier New" pitchFamily="49" charset="0"/>
-                <a:cs typeface="Courier New" pitchFamily="49" charset="0"/>
-              </a:rPr>
-              <a:t>Student </a:t>
-            </a:r>
-            <a:r>
-              <a:rPr lang="en-US" sz="2600" dirty="0" smtClean="0">
-                <a:latin typeface="Courier New" pitchFamily="49" charset="0"/>
-                <a:cs typeface="Courier New" pitchFamily="49" charset="0"/>
-              </a:rPr>
-              <a:t>INNER JOIN </a:t>
-            </a:r>
-            <a:r>
-              <a:rPr lang="en-US" sz="2600" dirty="0" smtClean="0">
-                <a:latin typeface="Courier New" pitchFamily="49" charset="0"/>
-                <a:cs typeface="Courier New" pitchFamily="49" charset="0"/>
-              </a:rPr>
-              <a:t>Department</a:t>
+              <a:t>FROM Student INNER JOIN Department</a:t>
             </a:r>
             <a:endParaRPr lang="en-US" sz="2600" dirty="0">
               <a:latin typeface="Courier New" pitchFamily="49" charset="0"/>
@@ -7604,14 +7500,7 @@
                 <a:latin typeface="Courier New" pitchFamily="49" charset="0"/>
                 <a:cs typeface="Courier New" pitchFamily="49" charset="0"/>
               </a:rPr>
-              <a:t>Major=DID </a:t>
-            </a:r>
-            <a:r>
-              <a:rPr lang="en-US" sz="2600" dirty="0" smtClean="0">
-                <a:latin typeface="Courier New" pitchFamily="49" charset="0"/>
-                <a:cs typeface="Courier New" pitchFamily="49" charset="0"/>
-              </a:rPr>
-              <a:t>AND</a:t>
+              <a:t>Major=DID AND</a:t>
             </a:r>
           </a:p>
           <a:p>
@@ -7916,11 +7805,7 @@
           <a:p>
             <a:r>
               <a:rPr lang="en-US" dirty="0" smtClean="0"/>
-              <a:t>Review </a:t>
-            </a:r>
-            <a:r>
-              <a:rPr lang="en-US" dirty="0" smtClean="0"/>
-              <a:t>Exercise Answer</a:t>
+              <a:t>Review Exercise Answer</a:t>
             </a:r>
             <a:endParaRPr lang="en-US" dirty="0"/>
           </a:p>
@@ -8056,21 +7941,7 @@
                 <a:latin typeface="Courier New" pitchFamily="49" charset="0"/>
                 <a:cs typeface="Courier New" pitchFamily="49" charset="0"/>
               </a:rPr>
-              <a:t>INNER </a:t>
-            </a:r>
-            <a:r>
-              <a:rPr lang="en-US" sz="2000" dirty="0" smtClean="0">
-                <a:latin typeface="Courier New" pitchFamily="49" charset="0"/>
-                <a:cs typeface="Courier New" pitchFamily="49" charset="0"/>
-              </a:rPr>
-              <a:t>JOIN </a:t>
-            </a:r>
-            <a:r>
-              <a:rPr lang="en-US" sz="2000" dirty="0" smtClean="0">
-                <a:latin typeface="Courier New" pitchFamily="49" charset="0"/>
-                <a:cs typeface="Courier New" pitchFamily="49" charset="0"/>
-              </a:rPr>
-              <a:t>Department</a:t>
+              <a:t>INNER JOIN Department</a:t>
             </a:r>
             <a:endParaRPr lang="en-US" sz="2000" dirty="0">
               <a:latin typeface="Courier New" pitchFamily="49" charset="0"/>
@@ -8095,14 +7966,7 @@
                 <a:latin typeface="Courier New" pitchFamily="49" charset="0"/>
                 <a:cs typeface="Courier New" pitchFamily="49" charset="0"/>
               </a:rPr>
-              <a:t>Major=DID </a:t>
-            </a:r>
-            <a:r>
-              <a:rPr lang="en-US" sz="2000" dirty="0" smtClean="0">
-                <a:latin typeface="Courier New" pitchFamily="49" charset="0"/>
-                <a:cs typeface="Courier New" pitchFamily="49" charset="0"/>
-              </a:rPr>
-              <a:t>AND</a:t>
+              <a:t>Major=DID AND</a:t>
             </a:r>
           </a:p>
           <a:p>
@@ -8275,18 +8139,7 @@
                   <a:ea typeface="Linux Libertine" charset="0"/>
                   <a:cs typeface="Linux Libertine" charset="0"/>
                 </a:rPr>
-                <a:t>           </a:t>
-              </a:r>
-              <a:r>
-                <a:rPr lang="en-US" dirty="0" smtClean="0">
-                  <a:solidFill>
-                    <a:sysClr val="windowText" lastClr="000000"/>
-                  </a:solidFill>
-                  <a:latin typeface="Linux Libertine" charset="0"/>
-                  <a:ea typeface="Linux Libertine" charset="0"/>
-                  <a:cs typeface="Linux Libertine" charset="0"/>
-                </a:rPr>
-                <a:t>  </a:t>
+                <a:t>             </a:t>
               </a:r>
               <a:r>
                 <a:rPr lang="en-US" sz="2400" dirty="0" smtClean="0">
@@ -9599,18 +9452,7 @@
                   <a:ea typeface="Linux Libertine" charset="0"/>
                   <a:cs typeface="Linux Libertine" charset="0"/>
                 </a:rPr>
-                <a:t>           </a:t>
-              </a:r>
-              <a:r>
-                <a:rPr lang="en-US" dirty="0" smtClean="0">
-                  <a:solidFill>
-                    <a:sysClr val="windowText" lastClr="000000"/>
-                  </a:solidFill>
-                  <a:latin typeface="Linux Libertine" charset="0"/>
-                  <a:ea typeface="Linux Libertine" charset="0"/>
-                  <a:cs typeface="Linux Libertine" charset="0"/>
-                </a:rPr>
-                <a:t>    </a:t>
+                <a:t>               </a:t>
               </a:r>
               <a:r>
                 <a:rPr lang="en-US" sz="2400" dirty="0" smtClean="0">
@@ -10261,15 +10103,7 @@
                 <a:ea typeface="Linux Libertine" charset="0"/>
                 <a:cs typeface="Linux Libertine" charset="0"/>
               </a:rPr>
-              <a:t>Q</a:t>
-            </a:r>
-            <a:r>
-              <a:rPr lang="en-US" sz="2000" b="1" dirty="0" smtClean="0">
-                <a:latin typeface="Linux Libertine" charset="0"/>
-                <a:ea typeface="Linux Libertine" charset="0"/>
-                <a:cs typeface="Linux Libertine" charset="0"/>
-              </a:rPr>
-              <a:t>:</a:t>
+              <a:t>Q:</a:t>
             </a:r>
             <a:r>
               <a:rPr lang="en-US" sz="2000" dirty="0" smtClean="0">
@@ -10285,15 +10119,7 @@
                 <a:ea typeface="Linux Libertine" charset="0"/>
                 <a:cs typeface="Linux Libertine" charset="0"/>
               </a:rPr>
-              <a:t>query equivalent to this SQL statement</a:t>
-            </a:r>
-            <a:r>
-              <a:rPr lang="en-US" sz="2000" smtClean="0">
-                <a:latin typeface="Linux Libertine" charset="0"/>
-                <a:ea typeface="Linux Libertine" charset="0"/>
-                <a:cs typeface="Linux Libertine" charset="0"/>
-              </a:rPr>
-              <a:t>?</a:t>
+              <a:t>query equivalent to this SQL statement?</a:t>
             </a:r>
             <a:endParaRPr lang="en-US" sz="2000" dirty="0">
               <a:latin typeface="Linux Libertine" charset="0"/>
@@ -10859,15 +10685,7 @@
                 <a:ea typeface="Linux Libertine" charset="0"/>
                 <a:cs typeface="Linux Libertine" charset="0"/>
               </a:rPr>
-              <a:t>Q</a:t>
-            </a:r>
-            <a:r>
-              <a:rPr lang="en-US" sz="2000" b="1" dirty="0" smtClean="0">
-                <a:latin typeface="Linux Libertine" charset="0"/>
-                <a:ea typeface="Linux Libertine" charset="0"/>
-                <a:cs typeface="Linux Libertine" charset="0"/>
-              </a:rPr>
-              <a:t>:</a:t>
+              <a:t>Q:</a:t>
             </a:r>
             <a:r>
               <a:rPr lang="en-US" sz="2000" dirty="0" smtClean="0">
@@ -10883,15 +10701,7 @@
                 <a:ea typeface="Linux Libertine" charset="0"/>
                 <a:cs typeface="Linux Libertine" charset="0"/>
               </a:rPr>
-              <a:t>query equivalent to this SQL statement</a:t>
-            </a:r>
-            <a:r>
-              <a:rPr lang="en-US" sz="2000" smtClean="0">
-                <a:latin typeface="Linux Libertine" charset="0"/>
-                <a:ea typeface="Linux Libertine" charset="0"/>
-                <a:cs typeface="Linux Libertine" charset="0"/>
-              </a:rPr>
-              <a:t>?</a:t>
+              <a:t>query equivalent to this SQL statement?</a:t>
             </a:r>
             <a:endParaRPr lang="en-US" sz="2000" dirty="0">
               <a:latin typeface="Linux Libertine" charset="0"/>
@@ -11372,15 +11182,7 @@
                 <a:ea typeface="Linux Libertine" charset="0"/>
                 <a:cs typeface="Linux Libertine" charset="0"/>
               </a:rPr>
-              <a:t>Q</a:t>
-            </a:r>
-            <a:r>
-              <a:rPr lang="en-US" sz="2000" b="1" dirty="0" smtClean="0">
-                <a:latin typeface="Linux Libertine" charset="0"/>
-                <a:ea typeface="Linux Libertine" charset="0"/>
-                <a:cs typeface="Linux Libertine" charset="0"/>
-              </a:rPr>
-              <a:t>:</a:t>
+              <a:t>Q:</a:t>
             </a:r>
             <a:r>
               <a:rPr lang="en-US" sz="2000" dirty="0" smtClean="0">
@@ -11396,15 +11198,7 @@
                 <a:ea typeface="Linux Libertine" charset="0"/>
                 <a:cs typeface="Linux Libertine" charset="0"/>
               </a:rPr>
-              <a:t>query equivalent to this SQL statement</a:t>
-            </a:r>
-            <a:r>
-              <a:rPr lang="en-US" sz="2000" smtClean="0">
-                <a:latin typeface="Linux Libertine" charset="0"/>
-                <a:ea typeface="Linux Libertine" charset="0"/>
-                <a:cs typeface="Linux Libertine" charset="0"/>
-              </a:rPr>
-              <a:t>?</a:t>
+              <a:t>query equivalent to this SQL statement?</a:t>
             </a:r>
             <a:endParaRPr lang="en-US" sz="2000" dirty="0">
               <a:latin typeface="Linux Libertine" charset="0"/>
@@ -11553,7 +11347,6 @@
               <a:rPr lang="en-US" sz="3600" dirty="0" smtClean="0"/>
               <a:t>Example</a:t>
             </a:r>
-            <a:endParaRPr lang="en-US" sz="3600" dirty="0" smtClean="0"/>
           </a:p>
         </p:txBody>
       </p:sp>
@@ -11664,19 +11457,8 @@
                 <a:latin typeface="Courier New" pitchFamily="49" charset="0"/>
                 <a:cs typeface="Courier New" pitchFamily="49" charset="0"/>
               </a:rPr>
-              <a:t>SELECT </a:t>
-            </a:r>
-            <a:r>
-              <a:rPr lang="en-US" sz="2000" dirty="0" smtClean="0">
-                <a:latin typeface="Courier New" pitchFamily="49" charset="0"/>
-                <a:cs typeface="Courier New" pitchFamily="49" charset="0"/>
-              </a:rPr>
-              <a:t>SID</a:t>
-            </a:r>
-            <a:endParaRPr lang="en-US" sz="2000" dirty="0" smtClean="0">
-              <a:latin typeface="Courier New" pitchFamily="49" charset="0"/>
-              <a:cs typeface="Courier New" pitchFamily="49" charset="0"/>
-            </a:endParaRPr>
+              <a:t>SELECT SID</a:t>
+            </a:r>
           </a:p>
           <a:p>
             <a:pPr>
@@ -11724,14 +11506,7 @@
                 <a:latin typeface="Courier New" pitchFamily="49" charset="0"/>
                 <a:cs typeface="Courier New" pitchFamily="49" charset="0"/>
               </a:rPr>
-              <a:t> (</a:t>
-            </a:r>
-            <a:r>
-              <a:rPr lang="en-US" sz="2000" dirty="0" smtClean="0">
-                <a:latin typeface="Courier New" pitchFamily="49" charset="0"/>
-                <a:cs typeface="Courier New" pitchFamily="49" charset="0"/>
-              </a:rPr>
-              <a:t>SELECT * </a:t>
+              <a:t> (SELECT * </a:t>
             </a:r>
           </a:p>
           <a:p>
@@ -11752,14 +11527,7 @@
                 <a:latin typeface="Courier New" pitchFamily="49" charset="0"/>
                 <a:cs typeface="Courier New" pitchFamily="49" charset="0"/>
               </a:rPr>
-              <a:t>  </a:t>
-            </a:r>
-            <a:r>
-              <a:rPr lang="en-US" sz="2000" dirty="0" smtClean="0">
-                <a:latin typeface="Courier New" pitchFamily="49" charset="0"/>
-                <a:cs typeface="Courier New" pitchFamily="49" charset="0"/>
-              </a:rPr>
-              <a:t>FROM Section NATURAL JOIN </a:t>
+              <a:t>  FROM Section NATURAL JOIN </a:t>
             </a:r>
           </a:p>
           <a:p>
@@ -11780,14 +11548,7 @@
                 <a:latin typeface="Courier New" pitchFamily="49" charset="0"/>
                 <a:cs typeface="Courier New" pitchFamily="49" charset="0"/>
               </a:rPr>
-              <a:t>   </a:t>
-            </a:r>
-            <a:r>
-              <a:rPr lang="en-US" sz="2000" dirty="0" smtClean="0">
-                <a:latin typeface="Courier New" pitchFamily="49" charset="0"/>
-                <a:cs typeface="Courier New" pitchFamily="49" charset="0"/>
-              </a:rPr>
-              <a:t>(SELECT * </a:t>
+              <a:t>   (SELECT * </a:t>
             </a:r>
           </a:p>
           <a:p>
@@ -11808,14 +11569,7 @@
                 <a:latin typeface="Courier New" pitchFamily="49" charset="0"/>
                 <a:cs typeface="Courier New" pitchFamily="49" charset="0"/>
               </a:rPr>
-              <a:t>    </a:t>
-            </a:r>
-            <a:r>
-              <a:rPr lang="en-US" sz="2000" dirty="0" smtClean="0">
-                <a:latin typeface="Courier New" pitchFamily="49" charset="0"/>
-                <a:cs typeface="Courier New" pitchFamily="49" charset="0"/>
-              </a:rPr>
-              <a:t>FROM Course </a:t>
+              <a:t>    FROM Course </a:t>
             </a:r>
           </a:p>
           <a:p>
@@ -11836,14 +11590,7 @@
                 <a:latin typeface="Courier New" pitchFamily="49" charset="0"/>
                 <a:cs typeface="Courier New" pitchFamily="49" charset="0"/>
               </a:rPr>
-              <a:t>    </a:t>
-            </a:r>
-            <a:r>
-              <a:rPr lang="en-US" sz="2000" dirty="0" smtClean="0">
-                <a:latin typeface="Courier New" pitchFamily="49" charset="0"/>
-                <a:cs typeface="Courier New" pitchFamily="49" charset="0"/>
-              </a:rPr>
-              <a:t>WHERE </a:t>
+              <a:t>    WHERE </a:t>
             </a:r>
             <a:r>
               <a:rPr lang="en-US" sz="2000" dirty="0" err="1" smtClean="0">
@@ -11878,14 +11625,7 @@
                 <a:latin typeface="Courier New" pitchFamily="49" charset="0"/>
                 <a:cs typeface="Courier New" pitchFamily="49" charset="0"/>
               </a:rPr>
-              <a:t>    </a:t>
-            </a:r>
-            <a:r>
-              <a:rPr lang="en-US" sz="2000" dirty="0" smtClean="0">
-                <a:latin typeface="Courier New" pitchFamily="49" charset="0"/>
-                <a:cs typeface="Courier New" pitchFamily="49" charset="0"/>
-              </a:rPr>
-              <a:t>“Computer Graphics”)</a:t>
+              <a:t>    “Computer Graphics”)</a:t>
             </a:r>
           </a:p>
           <a:p>
@@ -12362,29 +12102,7 @@
                   <a:ea typeface="Linux Libertine" charset="0"/>
                   <a:cs typeface="Linux Libertine" charset="0"/>
                 </a:rPr>
-                <a:t>=“Computer </a:t>
-              </a:r>
-              <a:r>
-                <a:rPr lang="en-US" sz="1600" baseline="-25000" dirty="0" smtClean="0">
-                  <a:solidFill>
-                    <a:sysClr val="windowText" lastClr="000000"/>
-                  </a:solidFill>
-                  <a:latin typeface="Linux Libertine" charset="0"/>
-                  <a:ea typeface="Linux Libertine" charset="0"/>
-                  <a:cs typeface="Linux Libertine" charset="0"/>
-                </a:rPr>
-                <a:t>Graphics</a:t>
-              </a:r>
-              <a:r>
-                <a:rPr lang="en-US" sz="1600" baseline="-25000" dirty="0" smtClean="0">
-                  <a:solidFill>
-                    <a:sysClr val="windowText" lastClr="000000"/>
-                  </a:solidFill>
-                  <a:latin typeface="Linux Libertine" charset="0"/>
-                  <a:ea typeface="Linux Libertine" charset="0"/>
-                  <a:cs typeface="Linux Libertine" charset="0"/>
-                </a:rPr>
-                <a:t>”</a:t>
+                <a:t>=“Computer Graphics”</a:t>
               </a:r>
               <a:endParaRPr lang="en-US" sz="1600" dirty="0">
                 <a:solidFill>
@@ -12893,11 +12611,7 @@
             </a:r>
             <a:r>
               <a:rPr lang="en-US" sz="1800" dirty="0" smtClean="0"/>
-              <a:t>, Grade</a:t>
-            </a:r>
-            <a:r>
-              <a:rPr lang="en-US" sz="1800" dirty="0" smtClean="0"/>
-              <a:t>)</a:t>
+              <a:t>, Grade)</a:t>
             </a:r>
             <a:endParaRPr lang="en-US" sz="1800" dirty="0"/>
           </a:p>
@@ -13119,11 +12833,7 @@
             </a:pPr>
             <a:r>
               <a:rPr lang="en-US" sz="3200" dirty="0" smtClean="0"/>
-              <a:t>Adding imperative features to </a:t>
-            </a:r>
-            <a:r>
-              <a:rPr lang="en-US" sz="3200" dirty="0" smtClean="0"/>
-              <a:t>SQL</a:t>
+              <a:t>Adding imperative features to SQL</a:t>
             </a:r>
           </a:p>
           <a:p>
@@ -13136,7 +12846,6 @@
               <a:rPr lang="en-US" sz="3600" dirty="0" smtClean="0"/>
               <a:t>Under different names and with various features in different RDBMSs</a:t>
             </a:r>
-            <a:endParaRPr lang="en-US" sz="3600" dirty="0" smtClean="0"/>
           </a:p>
           <a:p>
             <a:pPr lvl="1">
@@ -14270,11 +13979,6 @@
               </a:rPr>
               <a:t>); </a:t>
             </a:r>
-            <a:endParaRPr lang="en-US" sz="1400" dirty="0" smtClean="0">
-              <a:latin typeface="Courier New" charset="0"/>
-              <a:ea typeface="Courier New" charset="0"/>
-              <a:cs typeface="Courier New" charset="0"/>
-            </a:endParaRPr>
           </a:p>
           <a:p>
             <a:r>
@@ -14887,11 +14591,6 @@
               </a:rPr>
               <a:t>|| </a:t>
             </a:r>
-            <a:endParaRPr lang="en-US" sz="1400" dirty="0" smtClean="0">
-              <a:latin typeface="Courier New" charset="0"/>
-              <a:ea typeface="Courier New" charset="0"/>
-              <a:cs typeface="Courier New" charset="0"/>
-            </a:endParaRPr>
           </a:p>
           <a:p>
             <a:r>
@@ -15057,11 +14756,6 @@
               </a:rPr>
               <a:t>); </a:t>
             </a:r>
-            <a:endParaRPr lang="en-US" sz="1400" dirty="0" smtClean="0">
-              <a:latin typeface="Courier New" charset="0"/>
-              <a:ea typeface="Courier New" charset="0"/>
-              <a:cs typeface="Courier New" charset="0"/>
-            </a:endParaRPr>
           </a:p>
           <a:p>
             <a:r>
@@ -15948,7 +15642,6 @@
               <a:rPr lang="en-US" sz="3600" dirty="0" smtClean="0"/>
               <a:t>d</a:t>
             </a:r>
-            <a:endParaRPr lang="en-US" sz="3600" dirty="0" smtClean="0"/>
           </a:p>
         </p:txBody>
       </p:sp>
@@ -16217,7 +15910,6 @@
               <a:rPr lang="en-US" sz="3600" dirty="0" smtClean="0"/>
               <a:t>Example (PostgreSQL)</a:t>
             </a:r>
-            <a:endParaRPr lang="en-US" sz="3600" dirty="0" smtClean="0"/>
           </a:p>
         </p:txBody>
       </p:sp>
@@ -17459,7 +17151,6 @@
               <a:rPr lang="en-US" sz="3600" i="1" dirty="0" smtClean="0"/>
               <a:t>forth.”</a:t>
             </a:r>
-            <a:endParaRPr lang="en-US" sz="3600" i="1" dirty="0" smtClean="0"/>
           </a:p>
         </p:txBody>
       </p:sp>
@@ -17683,7 +17374,6 @@
               <a:rPr lang="en-US" sz="3600" dirty="0" smtClean="0"/>
               <a:t>)</a:t>
             </a:r>
-            <a:endParaRPr lang="en-US" sz="3600" dirty="0" smtClean="0"/>
           </a:p>
         </p:txBody>
       </p:sp>
@@ -17958,11 +17648,7 @@
             </a:pPr>
             <a:r>
               <a:rPr lang="en-US" sz="3200" dirty="0" smtClean="0"/>
-              <a:t>User enters SQL commands via command-line or a </a:t>
-            </a:r>
-            <a:r>
-              <a:rPr lang="en-US" sz="3200" dirty="0" smtClean="0"/>
-              <a:t>GUI</a:t>
+              <a:t>User enters SQL commands via command-line or a GUI</a:t>
             </a:r>
             <a:endParaRPr lang="en-US" sz="3600" dirty="0" smtClean="0"/>
           </a:p>
@@ -19982,13 +19668,8 @@
             </a:pPr>
             <a:r>
               <a:rPr lang="en-US" sz="3200" dirty="0" smtClean="0"/>
-              <a:t>User calls functions of specialized libraries which in turn connect to a DBMS and execute the SQL </a:t>
-            </a:r>
-            <a:r>
-              <a:rPr lang="en-US" sz="3200" dirty="0" smtClean="0"/>
-              <a:t>commands</a:t>
-            </a:r>
-            <a:endParaRPr lang="en-US" sz="3200" dirty="0" smtClean="0"/>
+              <a:t>User calls functions of specialized libraries which in turn connect to a DBMS and execute the SQL commands</a:t>
+            </a:r>
           </a:p>
         </p:txBody>
       </p:sp>
@@ -21783,13 +21464,8 @@
             </a:pPr>
             <a:r>
               <a:rPr lang="en-US" sz="3600" dirty="0" smtClean="0"/>
-              <a:t>Example: </a:t>
-            </a:r>
-            <a:r>
-              <a:rPr lang="en-US" sz="3600" dirty="0" smtClean="0"/>
-              <a:t>psycopg2 (for PostgreSQL)</a:t>
-            </a:r>
-            <a:endParaRPr lang="en-US" sz="3600" dirty="0" smtClean="0"/>
+              <a:t>Example: psycopg2 (for PostgreSQL)</a:t>
+            </a:r>
           </a:p>
         </p:txBody>
       </p:sp>
@@ -21967,15 +21643,7 @@
                 <a:ea typeface="Courier New" charset="0"/>
                 <a:cs typeface="Courier New" charset="0"/>
               </a:rPr>
-              <a:t>   conn = psycopg2.connect</a:t>
-            </a:r>
-            <a:r>
-              <a:rPr lang="en-US" sz="1400" dirty="0" smtClean="0">
-                <a:latin typeface="Courier New" charset="0"/>
-                <a:ea typeface="Courier New" charset="0"/>
-                <a:cs typeface="Courier New" charset="0"/>
-              </a:rPr>
-              <a:t>(</a:t>
+              <a:t>   conn = psycopg2.connect(</a:t>
             </a:r>
           </a:p>
           <a:p>
@@ -21999,18 +21667,7 @@
                 <a:ea typeface="Courier New" charset="0"/>
                 <a:cs typeface="Courier New" charset="0"/>
               </a:rPr>
-              <a:t>     </a:t>
-            </a:r>
-            <a:r>
-              <a:rPr lang="en-US" sz="1400" dirty="0" smtClean="0">
-                <a:solidFill>
-                  <a:srgbClr val="FF0000"/>
-                </a:solidFill>
-                <a:latin typeface="Courier New" charset="0"/>
-                <a:ea typeface="Courier New" charset="0"/>
-                <a:cs typeface="Courier New" charset="0"/>
-              </a:rPr>
-              <a:t>"</a:t>
+              <a:t>     "</a:t>
             </a:r>
             <a:r>
               <a:rPr lang="en-US" sz="1400" dirty="0" err="1">
@@ -22666,13 +22323,8 @@
             </a:pPr>
             <a:r>
               <a:rPr lang="en-US" sz="3600" dirty="0" smtClean="0"/>
-              <a:t>Example: </a:t>
-            </a:r>
-            <a:r>
-              <a:rPr lang="en-US" sz="3600" dirty="0" smtClean="0"/>
-              <a:t>sqlite3 (for SQLite)</a:t>
-            </a:r>
-            <a:endParaRPr lang="en-US" sz="3600" dirty="0" smtClean="0"/>
+              <a:t>Example: sqlite3 (for SQLite)</a:t>
+            </a:r>
           </a:p>
         </p:txBody>
       </p:sp>
@@ -23680,7 +23332,6 @@
               <a:rPr lang="en-US" sz="3200" dirty="0" smtClean="0"/>
               <a:t>)</a:t>
             </a:r>
-            <a:endParaRPr lang="en-US" sz="3200" dirty="0" smtClean="0"/>
           </a:p>
           <a:p>
             <a:pPr lvl="1">
@@ -25659,11 +25310,6 @@
               </a:rPr>
               <a:t>LIMIT 100</a:t>
             </a:r>
-            <a:endParaRPr lang="en-US" sz="1200" dirty="0">
-              <a:latin typeface="Courier New" charset="0"/>
-              <a:ea typeface="Courier New" charset="0"/>
-              <a:cs typeface="Courier New" charset="0"/>
-            </a:endParaRPr>
           </a:p>
         </p:txBody>
       </p:sp>
@@ -29258,21 +28904,8 @@
             </a:pPr>
             <a:r>
               <a:rPr lang="en-US" sz="3500" dirty="0" smtClean="0"/>
-              <a:t>Another way of </a:t>
-            </a:r>
-            <a:r>
-              <a:rPr lang="en-US" sz="3500" dirty="0" smtClean="0"/>
-              <a:t>expressing </a:t>
-            </a:r>
-            <a:r>
-              <a:rPr lang="en-US" sz="3500" dirty="0" smtClean="0"/>
-              <a:t>joins: </a:t>
-            </a:r>
-            <a:r>
-              <a:rPr lang="en-US" sz="3500" dirty="0" smtClean="0"/>
-              <a:t>using variants of JOIN statement</a:t>
-            </a:r>
-            <a:endParaRPr lang="en-US" sz="3500" dirty="0" smtClean="0"/>
+              <a:t>Another way of expressing joins: using variants of JOIN statement</a:t>
+            </a:r>
           </a:p>
           <a:p>
             <a:pPr lvl="1">
